--- a/final/ПрезентацияСолодов.pptx
+++ b/final/ПрезентацияСолодов.pptx
@@ -5,7 +5,7 @@
     <p:sldMasterId id="2147483659" r:id="rId1"/>
   </p:sldMasterIdLst>
   <p:notesMasterIdLst>
-    <p:notesMasterId r:id="rId27"/>
+    <p:notesMasterId r:id="rId30"/>
   </p:notesMasterIdLst>
   <p:sldIdLst>
     <p:sldId id="256" r:id="rId2"/>
@@ -29,31 +29,34 @@
     <p:sldId id="273" r:id="rId20"/>
     <p:sldId id="283" r:id="rId21"/>
     <p:sldId id="274" r:id="rId22"/>
-    <p:sldId id="275" r:id="rId23"/>
-    <p:sldId id="276" r:id="rId24"/>
-    <p:sldId id="277" r:id="rId25"/>
-    <p:sldId id="278" r:id="rId26"/>
+    <p:sldId id="284" r:id="rId23"/>
+    <p:sldId id="286" r:id="rId24"/>
+    <p:sldId id="285" r:id="rId25"/>
+    <p:sldId id="275" r:id="rId26"/>
+    <p:sldId id="276" r:id="rId27"/>
+    <p:sldId id="277" r:id="rId28"/>
+    <p:sldId id="278" r:id="rId29"/>
   </p:sldIdLst>
   <p:sldSz cx="9144000" cy="5143500" type="screen16x9"/>
   <p:notesSz cx="6858000" cy="9144000"/>
   <p:embeddedFontLst>
     <p:embeddedFont>
-      <p:font typeface="Proxima Nova" panose="020B0604020202020204" charset="0"/>
-      <p:regular r:id="rId28"/>
-      <p:bold r:id="rId29"/>
-      <p:italic r:id="rId30"/>
-      <p:boldItalic r:id="rId31"/>
-    </p:embeddedFont>
-    <p:embeddedFont>
       <p:font typeface="Calibri" panose="020F0502020204030204" pitchFamily="34" charset="0"/>
-      <p:regular r:id="rId32"/>
-      <p:bold r:id="rId33"/>
-      <p:italic r:id="rId34"/>
-      <p:boldItalic r:id="rId35"/>
+      <p:regular r:id="rId31"/>
+      <p:bold r:id="rId32"/>
+      <p:italic r:id="rId33"/>
+      <p:boldItalic r:id="rId34"/>
     </p:embeddedFont>
     <p:embeddedFont>
       <p:font typeface="Proxima Nova Extrabold" panose="020B0604020202020204" charset="0"/>
-      <p:bold r:id="rId36"/>
+      <p:bold r:id="rId35"/>
+    </p:embeddedFont>
+    <p:embeddedFont>
+      <p:font typeface="Proxima Nova" panose="020B0604020202020204" charset="0"/>
+      <p:regular r:id="rId36"/>
+      <p:bold r:id="rId37"/>
+      <p:italic r:id="rId38"/>
+      <p:boldItalic r:id="rId39"/>
     </p:embeddedFont>
   </p:embeddedFontLst>
   <p:defaultTextStyle>
@@ -8646,7 +8649,7 @@
               <a:buNone/>
             </a:pPr>
             <a:r>
-              <a:rPr lang="ru-RU" dirty="0" smtClean="0"/>
+              <a:rPr lang="ru-RU" sz="2200" dirty="0" smtClean="0"/>
               <a:t>Данные о процедурах размещенных с 1.01.2016.</a:t>
             </a:r>
           </a:p>
@@ -8655,14 +8658,9 @@
               <a:buNone/>
             </a:pPr>
             <a:r>
-              <a:rPr lang="ru-RU" dirty="0" smtClean="0"/>
-              <a:t>Будем использовать следующие параметры</a:t>
-            </a:r>
-            <a:r>
-              <a:rPr lang="ru-RU" dirty="0" smtClean="0"/>
-              <a:t>:</a:t>
-            </a:r>
-            <a:endParaRPr lang="ru-RU" dirty="0" smtClean="0"/>
+              <a:rPr lang="ru-RU" sz="2200" dirty="0" smtClean="0"/>
+              <a:t>Будем использовать следующие параметры:</a:t>
+            </a:r>
           </a:p>
           <a:p>
             <a:pPr marL="914400" lvl="2">
@@ -8676,7 +8674,7 @@
               <a:buChar char="•"/>
             </a:pPr>
             <a:r>
-              <a:rPr lang="ru-RU" sz="2400" dirty="0" smtClean="0"/>
+              <a:rPr lang="ru-RU" sz="2200" dirty="0" smtClean="0"/>
               <a:t>Номер</a:t>
             </a:r>
           </a:p>
@@ -8692,7 +8690,7 @@
               <a:buChar char="•"/>
             </a:pPr>
             <a:r>
-              <a:rPr lang="ru-RU" sz="2400" dirty="0" smtClean="0"/>
+              <a:rPr lang="ru-RU" sz="2200" dirty="0" smtClean="0"/>
               <a:t>Дата размещения</a:t>
             </a:r>
           </a:p>
@@ -8708,7 +8706,7 @@
               <a:buChar char="•"/>
             </a:pPr>
             <a:r>
-              <a:rPr lang="ru-RU" sz="2400" dirty="0" smtClean="0"/>
+              <a:rPr lang="ru-RU" sz="2200" dirty="0" smtClean="0"/>
               <a:t>Адрес поставки</a:t>
             </a:r>
           </a:p>
@@ -8724,7 +8722,7 @@
               <a:buChar char="•"/>
             </a:pPr>
             <a:r>
-              <a:rPr lang="ru-RU" sz="2400" dirty="0" smtClean="0"/>
+              <a:rPr lang="ru-RU" sz="2200" dirty="0" smtClean="0"/>
               <a:t>Цена контракта</a:t>
             </a:r>
           </a:p>
@@ -8740,7 +8738,7 @@
               <a:buChar char="•"/>
             </a:pPr>
             <a:r>
-              <a:rPr lang="ru-RU" sz="2400" dirty="0" smtClean="0"/>
+              <a:rPr lang="ru-RU" sz="2200" dirty="0" smtClean="0"/>
               <a:t>ОКПД2</a:t>
             </a:r>
           </a:p>
@@ -8756,7 +8754,7 @@
               <a:buChar char="•"/>
             </a:pPr>
             <a:r>
-              <a:rPr lang="ru-RU" sz="2400" dirty="0" smtClean="0"/>
+              <a:rPr lang="ru-RU" sz="2200" dirty="0" smtClean="0"/>
               <a:t>Данные о заказчике</a:t>
             </a:r>
           </a:p>
@@ -8772,7 +8770,7 @@
               <a:buChar char="•"/>
             </a:pPr>
             <a:r>
-              <a:rPr lang="ru-RU" sz="2400" dirty="0" smtClean="0"/>
+              <a:rPr lang="ru-RU" sz="2200" dirty="0" smtClean="0"/>
               <a:t>Данные о преференциях</a:t>
             </a:r>
           </a:p>
@@ -9772,11 +9770,7 @@
             </a:r>
             <a:r>
               <a:rPr lang="ru" sz="2000" dirty="0" smtClean="0"/>
-              <a:t>обучение </a:t>
-            </a:r>
-            <a:r>
-              <a:rPr lang="ru" sz="2000" dirty="0" smtClean="0"/>
-              <a:t>и сделали прогноз на 5 месяцев с использованием </a:t>
+              <a:t>обучение и сделали прогноз на 5 месяцев с использованием </a:t>
             </a:r>
             <a:r>
               <a:rPr lang="en-US" sz="2000" dirty="0" smtClean="0"/>
@@ -9802,7 +9796,6 @@
               <a:rPr lang="en-US" sz="2000" dirty="0" smtClean="0"/>
               <a:t>baseline </a:t>
             </a:r>
-            <a:endParaRPr lang="en-US" sz="2000" dirty="0" smtClean="0"/>
           </a:p>
         </p:txBody>
       </p:sp>
@@ -12896,11 +12889,7 @@
             </a:pPr>
             <a:r>
               <a:rPr lang="ru-RU" sz="1800" dirty="0" smtClean="0"/>
-              <a:t>Совместная модель дает более сбалансированны</a:t>
-            </a:r>
-            <a:r>
-              <a:rPr lang="ru-RU" sz="1800" dirty="0" smtClean="0"/>
-              <a:t>й результат (особенно ощутимо проявляется на </a:t>
+              <a:t>Совместная модель дает более сбалансированный результат (особенно ощутимо проявляется на </a:t>
             </a:r>
             <a:r>
               <a:rPr lang="ru-RU" sz="1800" dirty="0" err="1" smtClean="0"/>
@@ -14636,6 +14625,366 @@
   <p:cSld>
     <p:spTree>
       <p:nvGrpSpPr>
+        <p:cNvPr id="1" name=""/>
+        <p:cNvGrpSpPr/>
+        <p:nvPr/>
+      </p:nvGrpSpPr>
+      <p:grpSpPr>
+        <a:xfrm>
+          <a:off x="0" y="0"/>
+          <a:ext cx="0" cy="0"/>
+          <a:chOff x="0" y="0"/>
+          <a:chExt cx="0" cy="0"/>
+        </a:xfrm>
+      </p:grpSpPr>
+      <p:sp>
+        <p:nvSpPr>
+          <p:cNvPr id="2" name="Заголовок 1"/>
+          <p:cNvSpPr>
+            <a:spLocks noGrp="1"/>
+          </p:cNvSpPr>
+          <p:nvPr>
+            <p:ph type="title"/>
+          </p:nvPr>
+        </p:nvSpPr>
+        <p:spPr>
+          <a:xfrm>
+            <a:off x="462900" y="625642"/>
+            <a:ext cx="7933500" cy="696883"/>
+          </a:xfrm>
+        </p:spPr>
+        <p:txBody>
+          <a:bodyPr/>
+          <a:lstStyle/>
+          <a:p>
+            <a:r>
+              <a:rPr lang="ru-RU" sz="2800" dirty="0" smtClean="0"/>
+              <a:t>Лучший результат</a:t>
+            </a:r>
+            <a:endParaRPr lang="ru-RU" sz="2800" dirty="0"/>
+          </a:p>
+        </p:txBody>
+      </p:sp>
+      <p:sp>
+        <p:nvSpPr>
+          <p:cNvPr id="3" name="Текст 2"/>
+          <p:cNvSpPr>
+            <a:spLocks noGrp="1"/>
+          </p:cNvSpPr>
+          <p:nvPr>
+            <p:ph type="body" idx="1"/>
+          </p:nvPr>
+        </p:nvSpPr>
+        <p:spPr>
+          <a:xfrm>
+            <a:off x="391886" y="1106905"/>
+            <a:ext cx="8593985" cy="3746978"/>
+          </a:xfrm>
+        </p:spPr>
+        <p:txBody>
+          <a:bodyPr/>
+          <a:lstStyle/>
+          <a:p>
+            <a:pPr marL="76200" indent="0">
+              <a:buNone/>
+            </a:pPr>
+            <a:r>
+              <a:rPr lang="ru-RU" dirty="0" smtClean="0"/>
+              <a:t>Данные агрегированы: </a:t>
+            </a:r>
+          </a:p>
+          <a:p>
+            <a:pPr marL="76200" indent="0">
+              <a:buNone/>
+            </a:pPr>
+            <a:r>
+              <a:rPr lang="ru-RU" dirty="0" smtClean="0"/>
+              <a:t>			        </a:t>
+            </a:r>
+            <a:r>
+              <a:rPr lang="ru-RU" b="1" dirty="0" smtClean="0"/>
+              <a:t>по регионам и</a:t>
+            </a:r>
+          </a:p>
+          <a:p>
+            <a:pPr marL="76200" indent="0">
+              <a:buNone/>
+            </a:pPr>
+            <a:r>
+              <a:rPr lang="ru-RU" b="1" dirty="0"/>
+              <a:t>	</a:t>
+            </a:r>
+            <a:r>
+              <a:rPr lang="ru-RU" b="1" dirty="0" smtClean="0"/>
+              <a:t>		        уровням субъекта заказчика</a:t>
+            </a:r>
+          </a:p>
+          <a:p>
+            <a:pPr marL="76200" indent="0">
+              <a:buNone/>
+            </a:pPr>
+            <a:r>
+              <a:rPr lang="ru-RU" dirty="0" smtClean="0"/>
+              <a:t>Лучший набор:</a:t>
+            </a:r>
+          </a:p>
+          <a:p>
+            <a:pPr marL="76200" indent="0">
+              <a:buNone/>
+            </a:pPr>
+            <a:r>
+              <a:rPr lang="ru-RU" b="1" dirty="0" smtClean="0"/>
+              <a:t>			</a:t>
+            </a:r>
+            <a:r>
+              <a:rPr lang="en-US" b="1" dirty="0" smtClean="0"/>
+              <a:t>[</a:t>
+            </a:r>
+            <a:r>
+              <a:rPr lang="en-US" b="1" dirty="0"/>
+              <a:t>'Last-1 Month Proc', 'Last-11 Month Proc', </a:t>
+            </a:r>
+            <a:endParaRPr lang="ru-RU" b="1" dirty="0" smtClean="0"/>
+          </a:p>
+          <a:p>
+            <a:pPr marL="76200" indent="0">
+              <a:buNone/>
+            </a:pPr>
+            <a:r>
+              <a:rPr lang="ru-RU" b="1" dirty="0" smtClean="0"/>
+              <a:t>                                   </a:t>
+            </a:r>
+            <a:r>
+              <a:rPr lang="en-US" b="1" dirty="0" smtClean="0"/>
+              <a:t>'Last-2 Month</a:t>
+            </a:r>
+            <a:r>
+              <a:rPr lang="ru-RU" b="1" dirty="0" smtClean="0"/>
+              <a:t> </a:t>
+            </a:r>
+            <a:r>
+              <a:rPr lang="en-US" b="1" dirty="0" smtClean="0"/>
+              <a:t>Diff</a:t>
+            </a:r>
+            <a:r>
+              <a:rPr lang="en-US" b="1" dirty="0"/>
+              <a:t>', '</a:t>
+            </a:r>
+            <a:r>
+              <a:rPr lang="en-US" b="1" dirty="0" err="1"/>
+              <a:t>RegCode</a:t>
+            </a:r>
+            <a:r>
+              <a:rPr lang="en-US" b="1" dirty="0"/>
+              <a:t>']</a:t>
+            </a:r>
+            <a:endParaRPr lang="ru-RU" b="1" dirty="0" smtClean="0"/>
+          </a:p>
+          <a:p>
+            <a:pPr marL="76200" indent="0">
+              <a:buNone/>
+            </a:pPr>
+            <a:r>
+              <a:rPr lang="ru-RU" dirty="0" smtClean="0"/>
+              <a:t>Показатели: </a:t>
+            </a:r>
+          </a:p>
+          <a:p>
+            <a:pPr marL="76200" indent="0">
+              <a:buNone/>
+            </a:pPr>
+            <a:r>
+              <a:rPr lang="ru-RU" b="1" dirty="0"/>
+              <a:t>	</a:t>
+            </a:r>
+            <a:r>
+              <a:rPr lang="ru-RU" b="1" dirty="0" smtClean="0"/>
+              <a:t>	     </a:t>
+            </a:r>
+            <a:r>
+              <a:rPr lang="en-US" b="1" dirty="0" smtClean="0"/>
+              <a:t>RMSLE </a:t>
+            </a:r>
+            <a:r>
+              <a:rPr lang="en-US" b="1" dirty="0"/>
+              <a:t>= </a:t>
+            </a:r>
+            <a:r>
+              <a:rPr lang="ru-RU" b="1" dirty="0"/>
+              <a:t>0.5769, ∆</a:t>
+            </a:r>
+            <a:r>
+              <a:rPr lang="en-US" b="1" dirty="0"/>
+              <a:t>A = </a:t>
+            </a:r>
+            <a:r>
+              <a:rPr lang="ru-RU" b="1" dirty="0"/>
+              <a:t>2774, ∆</a:t>
+            </a:r>
+            <a:r>
+              <a:rPr lang="en-US" b="1" dirty="0"/>
+              <a:t>a = </a:t>
+            </a:r>
+            <a:r>
+              <a:rPr lang="ru-RU" b="1" dirty="0"/>
+              <a:t>7.14%</a:t>
+            </a:r>
+          </a:p>
+          <a:p>
+            <a:pPr marL="76200" indent="0">
+              <a:buNone/>
+            </a:pPr>
+            <a:endParaRPr lang="ru-RU" sz="1800" dirty="0"/>
+          </a:p>
+        </p:txBody>
+      </p:sp>
+    </p:spTree>
+    <p:extLst>
+      <p:ext uri="{BB962C8B-B14F-4D97-AF65-F5344CB8AC3E}">
+        <p14:creationId xmlns:p14="http://schemas.microsoft.com/office/powerpoint/2010/main" val="2135030104"/>
+      </p:ext>
+    </p:extLst>
+  </p:cSld>
+  <p:clrMapOvr>
+    <a:masterClrMapping/>
+  </p:clrMapOvr>
+  <p:timing>
+    <p:tnLst>
+      <p:par>
+        <p:cTn id="1" dur="indefinite" restart="never" nodeType="tmRoot"/>
+      </p:par>
+    </p:tnLst>
+  </p:timing>
+</p:sld>
+</file>
+
+<file path=ppt/slides/slide23.xml><?xml version="1.0" encoding="utf-8"?>
+<p:sld xmlns:a="http://schemas.openxmlformats.org/drawingml/2006/main" xmlns:r="http://schemas.openxmlformats.org/officeDocument/2006/relationships" xmlns:p="http://schemas.openxmlformats.org/presentationml/2006/main">
+  <p:cSld>
+    <p:spTree>
+      <p:nvGrpSpPr>
+        <p:cNvPr id="1" name=""/>
+        <p:cNvGrpSpPr/>
+        <p:nvPr/>
+      </p:nvGrpSpPr>
+      <p:grpSpPr>
+        <a:xfrm>
+          <a:off x="0" y="0"/>
+          <a:ext cx="0" cy="0"/>
+          <a:chOff x="0" y="0"/>
+          <a:chExt cx="0" cy="0"/>
+        </a:xfrm>
+      </p:grpSpPr>
+      <p:pic>
+        <p:nvPicPr>
+          <p:cNvPr id="4" name="Рисунок 3"/>
+          <p:cNvPicPr>
+            <a:picLocks noChangeAspect="1"/>
+          </p:cNvPicPr>
+          <p:nvPr/>
+        </p:nvPicPr>
+        <p:blipFill>
+          <a:blip r:embed="rId2"/>
+          <a:stretch>
+            <a:fillRect/>
+          </a:stretch>
+        </p:blipFill>
+        <p:spPr>
+          <a:xfrm>
+            <a:off x="55001" y="752742"/>
+            <a:ext cx="8621486" cy="4341125"/>
+          </a:xfrm>
+          <a:prstGeom prst="rect">
+            <a:avLst/>
+          </a:prstGeom>
+        </p:spPr>
+      </p:pic>
+    </p:spTree>
+    <p:extLst>
+      <p:ext uri="{BB962C8B-B14F-4D97-AF65-F5344CB8AC3E}">
+        <p14:creationId xmlns:p14="http://schemas.microsoft.com/office/powerpoint/2010/main" val="3454528138"/>
+      </p:ext>
+    </p:extLst>
+  </p:cSld>
+  <p:clrMapOvr>
+    <a:masterClrMapping/>
+  </p:clrMapOvr>
+  <p:timing>
+    <p:tnLst>
+      <p:par>
+        <p:cTn id="1" dur="indefinite" restart="never" nodeType="tmRoot"/>
+      </p:par>
+    </p:tnLst>
+  </p:timing>
+</p:sld>
+</file>
+
+<file path=ppt/slides/slide24.xml><?xml version="1.0" encoding="utf-8"?>
+<p:sld xmlns:a="http://schemas.openxmlformats.org/drawingml/2006/main" xmlns:r="http://schemas.openxmlformats.org/officeDocument/2006/relationships" xmlns:p="http://schemas.openxmlformats.org/presentationml/2006/main">
+  <p:cSld>
+    <p:spTree>
+      <p:nvGrpSpPr>
+        <p:cNvPr id="1" name=""/>
+        <p:cNvGrpSpPr/>
+        <p:nvPr/>
+      </p:nvGrpSpPr>
+      <p:grpSpPr>
+        <a:xfrm>
+          <a:off x="0" y="0"/>
+          <a:ext cx="0" cy="0"/>
+          <a:chOff x="0" y="0"/>
+          <a:chExt cx="0" cy="0"/>
+        </a:xfrm>
+      </p:grpSpPr>
+      <p:pic>
+        <p:nvPicPr>
+          <p:cNvPr id="4" name="Рисунок 3"/>
+          <p:cNvPicPr>
+            <a:picLocks noChangeAspect="1"/>
+          </p:cNvPicPr>
+          <p:nvPr/>
+        </p:nvPicPr>
+        <p:blipFill>
+          <a:blip r:embed="rId2"/>
+          <a:stretch>
+            <a:fillRect/>
+          </a:stretch>
+        </p:blipFill>
+        <p:spPr>
+          <a:xfrm>
+            <a:off x="1141281" y="719759"/>
+            <a:ext cx="6476427" cy="4284515"/>
+          </a:xfrm>
+          <a:prstGeom prst="rect">
+            <a:avLst/>
+          </a:prstGeom>
+        </p:spPr>
+      </p:pic>
+    </p:spTree>
+    <p:extLst>
+      <p:ext uri="{BB962C8B-B14F-4D97-AF65-F5344CB8AC3E}">
+        <p14:creationId xmlns:p14="http://schemas.microsoft.com/office/powerpoint/2010/main" val="2258041507"/>
+      </p:ext>
+    </p:extLst>
+  </p:cSld>
+  <p:clrMapOvr>
+    <a:masterClrMapping/>
+  </p:clrMapOvr>
+  <p:timing>
+    <p:tnLst>
+      <p:par>
+        <p:cTn id="1" dur="indefinite" restart="never" nodeType="tmRoot"/>
+      </p:par>
+    </p:tnLst>
+  </p:timing>
+</p:sld>
+</file>
+
+<file path=ppt/slides/slide25.xml><?xml version="1.0" encoding="utf-8"?>
+<p:sld xmlns:a="http://schemas.openxmlformats.org/drawingml/2006/main" xmlns:r="http://schemas.openxmlformats.org/officeDocument/2006/relationships" xmlns:p="http://schemas.openxmlformats.org/presentationml/2006/main">
+  <p:cSld>
+    <p:spTree>
+      <p:nvGrpSpPr>
         <p:cNvPr id="1" name="Shape 187"/>
         <p:cNvGrpSpPr/>
         <p:nvPr/>
@@ -14705,7 +15054,7 @@
 </p:sld>
 </file>
 
-<file path=ppt/slides/slide23.xml><?xml version="1.0" encoding="utf-8"?>
+<file path=ppt/slides/slide26.xml><?xml version="1.0" encoding="utf-8"?>
 <p:sld xmlns:a="http://schemas.openxmlformats.org/drawingml/2006/main" xmlns:r="http://schemas.openxmlformats.org/officeDocument/2006/relationships" xmlns:p="http://schemas.openxmlformats.org/presentationml/2006/main">
   <p:cSld>
     <p:spTree>
@@ -14913,7 +15262,7 @@
 </p:sld>
 </file>
 
-<file path=ppt/slides/slide24.xml><?xml version="1.0" encoding="utf-8"?>
+<file path=ppt/slides/slide27.xml><?xml version="1.0" encoding="utf-8"?>
 <p:sld xmlns:a="http://schemas.openxmlformats.org/drawingml/2006/main" xmlns:r="http://schemas.openxmlformats.org/officeDocument/2006/relationships" xmlns:p="http://schemas.openxmlformats.org/presentationml/2006/main">
   <p:cSld>
     <p:spTree>
@@ -14942,8 +15291,8 @@
         </p:nvSpPr>
         <p:spPr>
           <a:xfrm>
-            <a:off x="462900" y="749825"/>
-            <a:ext cx="7933500" cy="572700"/>
+            <a:off x="462900" y="660018"/>
+            <a:ext cx="7933500" cy="662507"/>
           </a:xfrm>
           <a:prstGeom prst="rect">
             <a:avLst/>
@@ -14984,8 +15333,8 @@
         </p:nvSpPr>
         <p:spPr>
           <a:xfrm>
-            <a:off x="524231" y="1322525"/>
-            <a:ext cx="8065800" cy="3156253"/>
+            <a:off x="524231" y="1086281"/>
+            <a:ext cx="8065800" cy="3392498"/>
           </a:xfrm>
           <a:prstGeom prst="rect">
             <a:avLst/>
@@ -15074,7 +15423,7 @@
 </p:sld>
 </file>
 
-<file path=ppt/slides/slide25.xml><?xml version="1.0" encoding="utf-8"?>
+<file path=ppt/slides/slide28.xml><?xml version="1.0" encoding="utf-8"?>
 <p:sld xmlns:a="http://schemas.openxmlformats.org/drawingml/2006/main" xmlns:r="http://schemas.openxmlformats.org/officeDocument/2006/relationships" xmlns:p="http://schemas.openxmlformats.org/presentationml/2006/main">
   <p:cSld>
     <p:spTree>
@@ -15221,11 +15570,7 @@
             </a:r>
             <a:r>
               <a:rPr lang="ru-RU" dirty="0" smtClean="0"/>
-              <a:t>финансов </a:t>
-            </a:r>
-            <a:r>
-              <a:rPr lang="ru-RU" dirty="0" smtClean="0"/>
-              <a:t>РФ </a:t>
+              <a:t>финансов РФ </a:t>
             </a:r>
             <a:r>
               <a:rPr lang="ru-RU" dirty="0"/>
@@ -15249,11 +15594,7 @@
             </a:r>
             <a:r>
               <a:rPr lang="ru-RU" dirty="0" smtClean="0"/>
-              <a:t>форме для государственных и муниципальных </a:t>
-            </a:r>
-            <a:r>
-              <a:rPr lang="ru-RU" dirty="0" smtClean="0"/>
-              <a:t>нужд в соответствии с 44-ФЗ.</a:t>
+              <a:t>форме для государственных и муниципальных нужд в соответствии с 44-ФЗ.</a:t>
             </a:r>
             <a:endParaRPr lang="ru-RU" dirty="0"/>
           </a:p>
@@ -15387,14 +15728,15 @@
           </a:bodyPr>
           <a:lstStyle/>
           <a:p>
-            <a:pPr marL="0" lvl="0" indent="0" algn="l" rtl="0">
+            <a:pPr lvl="0" indent="-457200" algn="l" rtl="0">
               <a:spcBef>
                 <a:spcPts val="0"/>
               </a:spcBef>
               <a:spcAft>
                 <a:spcPts val="1600"/>
               </a:spcAft>
-              <a:buNone/>
+              <a:buFont typeface="+mj-lt"/>
+              <a:buAutoNum type="arabicPeriod"/>
             </a:pPr>
             <a:r>
               <a:rPr lang="ru" dirty="0" smtClean="0">
@@ -15403,34 +15745,8 @@
                 <a:cs typeface="Proxima Nova"/>
                 <a:sym typeface="Proxima Nova"/>
               </a:rPr>
-              <a:t>1. Обеспечение бесперебойной работы</a:t>
-            </a:r>
-          </a:p>
-          <a:p>
-            <a:pPr marL="0" lvl="0" indent="0" algn="l" rtl="0">
-              <a:spcBef>
-                <a:spcPts val="0"/>
-              </a:spcBef>
-              <a:spcAft>
-                <a:spcPts val="1600"/>
-              </a:spcAft>
-              <a:buNone/>
-            </a:pPr>
-            <a:r>
-              <a:rPr lang="ru" dirty="0" smtClean="0"/>
-              <a:t>2. Создание удобств для работы пользователей</a:t>
-            </a:r>
-          </a:p>
-          <a:p>
-            <a:pPr marL="0" lvl="0" indent="0" algn="l" rtl="0">
-              <a:spcBef>
-                <a:spcPts val="0"/>
-              </a:spcBef>
-              <a:spcAft>
-                <a:spcPts val="1600"/>
-              </a:spcAft>
-              <a:buNone/>
-            </a:pPr>
+              <a:t>Обеспечение </a:t>
+            </a:r>
             <a:r>
               <a:rPr lang="ru" dirty="0" smtClean="0">
                 <a:latin typeface="Proxima Nova"/>
@@ -15438,7 +15754,57 @@
                 <a:cs typeface="Proxima Nova"/>
                 <a:sym typeface="Proxima Nova"/>
               </a:rPr>
-              <a:t>3. Заработок компании</a:t>
+              <a:t>бесперебойной работы</a:t>
+            </a:r>
+          </a:p>
+          <a:p>
+            <a:pPr lvl="0" indent="-457200" algn="l" rtl="0">
+              <a:spcBef>
+                <a:spcPts val="0"/>
+              </a:spcBef>
+              <a:spcAft>
+                <a:spcPts val="1600"/>
+              </a:spcAft>
+              <a:buFont typeface="+mj-lt"/>
+              <a:buAutoNum type="arabicPeriod"/>
+            </a:pPr>
+            <a:r>
+              <a:rPr lang="ru" dirty="0" smtClean="0"/>
+              <a:t>Создание </a:t>
+            </a:r>
+            <a:r>
+              <a:rPr lang="ru" dirty="0" smtClean="0"/>
+              <a:t>удобств для работы пользователей</a:t>
+            </a:r>
+          </a:p>
+          <a:p>
+            <a:pPr lvl="0" indent="-457200" algn="l" rtl="0">
+              <a:spcBef>
+                <a:spcPts val="0"/>
+              </a:spcBef>
+              <a:spcAft>
+                <a:spcPts val="1600"/>
+              </a:spcAft>
+              <a:buFont typeface="+mj-lt"/>
+              <a:buAutoNum type="arabicPeriod"/>
+            </a:pPr>
+            <a:r>
+              <a:rPr lang="ru" dirty="0" smtClean="0">
+                <a:latin typeface="Proxima Nova"/>
+                <a:ea typeface="Proxima Nova"/>
+                <a:cs typeface="Proxima Nova"/>
+                <a:sym typeface="Proxima Nova"/>
+              </a:rPr>
+              <a:t>Заработок </a:t>
+            </a:r>
+            <a:r>
+              <a:rPr lang="ru" dirty="0" smtClean="0">
+                <a:latin typeface="Proxima Nova"/>
+                <a:ea typeface="Proxima Nova"/>
+                <a:cs typeface="Proxima Nova"/>
+                <a:sym typeface="Proxima Nova"/>
+              </a:rPr>
+              <a:t>компании</a:t>
             </a:r>
           </a:p>
         </p:txBody>
@@ -15569,36 +15935,50 @@
             </a:pPr>
             <a:r>
               <a:rPr lang="ru-RU" b="1" dirty="0" smtClean="0"/>
-              <a:t>Знание </a:t>
-            </a:r>
-            <a:r>
-              <a:rPr lang="ru-RU" b="1" dirty="0" smtClean="0"/>
-              <a:t>ожидаемого количества проводимых процедур</a:t>
+              <a:t>Знание ожидаемого количества проводимых процедур</a:t>
             </a:r>
             <a:r>
               <a:rPr lang="ru-RU" b="1" dirty="0" smtClean="0"/>
               <a:t>!</a:t>
             </a:r>
+            <a:endParaRPr lang="ru-RU" sz="2000" b="1" dirty="0" smtClean="0"/>
           </a:p>
           <a:p>
             <a:pPr marL="76200" indent="0">
               <a:lnSpc>
                 <a:spcPct val="114000"/>
               </a:lnSpc>
+              <a:spcBef>
+                <a:spcPts val="1200"/>
+              </a:spcBef>
               <a:buNone/>
             </a:pPr>
-            <a:endParaRPr lang="ru-RU" b="1" dirty="0" smtClean="0"/>
-          </a:p>
-          <a:p>
-            <a:pPr marL="76200" indent="0">
+            <a:r>
+              <a:rPr lang="ru-RU" dirty="0" smtClean="0"/>
+              <a:t>Зная количество можно:</a:t>
+            </a:r>
+          </a:p>
+          <a:p>
+            <a:pPr marL="533400" indent="-457200">
               <a:lnSpc>
                 <a:spcPct val="114000"/>
               </a:lnSpc>
-              <a:buNone/>
+              <a:spcBef>
+                <a:spcPts val="1200"/>
+              </a:spcBef>
+              <a:buAutoNum type="arabicPeriod"/>
             </a:pPr>
             <a:r>
               <a:rPr lang="ru-RU" dirty="0" smtClean="0"/>
-              <a:t>Зная количество можно:</a:t>
+              <a:t>Посчитать доходы (количество процедур *</a:t>
+            </a:r>
+            <a:r>
+              <a:rPr lang="en-US" dirty="0" smtClean="0"/>
+              <a:t> </a:t>
+            </a:r>
+            <a:r>
+              <a:rPr lang="ru-RU" dirty="0" smtClean="0"/>
+              <a:t>тариф)</a:t>
             </a:r>
           </a:p>
           <a:p>
@@ -15610,38 +15990,6 @@
             </a:pPr>
             <a:r>
               <a:rPr lang="ru-RU" dirty="0" smtClean="0"/>
-              <a:t>Посчитать </a:t>
-            </a:r>
-            <a:r>
-              <a:rPr lang="ru-RU" dirty="0" smtClean="0"/>
-              <a:t>доходы </a:t>
-            </a:r>
-            <a:r>
-              <a:rPr lang="ru-RU" dirty="0" smtClean="0"/>
-              <a:t>(количество процедур </a:t>
-            </a:r>
-            <a:r>
-              <a:rPr lang="ru-RU" dirty="0" smtClean="0"/>
-              <a:t>*</a:t>
-            </a:r>
-            <a:r>
-              <a:rPr lang="en-US" dirty="0" smtClean="0"/>
-              <a:t> </a:t>
-            </a:r>
-            <a:r>
-              <a:rPr lang="ru-RU" dirty="0" smtClean="0"/>
-              <a:t>тариф)</a:t>
-            </a:r>
-          </a:p>
-          <a:p>
-            <a:pPr marL="533400" indent="-457200">
-              <a:lnSpc>
-                <a:spcPct val="114000"/>
-              </a:lnSpc>
-              <a:buAutoNum type="arabicPeriod"/>
-            </a:pPr>
-            <a:r>
-              <a:rPr lang="ru-RU" dirty="0" smtClean="0"/>
               <a:t>Спрогнозировать нагрузку на:</a:t>
             </a:r>
           </a:p>
@@ -15660,7 +16008,6 @@
               <a:rPr lang="ru-RU" sz="2400" dirty="0" smtClean="0"/>
               <a:t>Портал площадки</a:t>
             </a:r>
-            <a:endParaRPr lang="ru-RU" sz="2400" dirty="0" smtClean="0"/>
           </a:p>
           <a:p>
             <a:pPr marL="1005840" lvl="3" indent="-457200">
@@ -15780,8 +16127,8 @@
         </p:nvSpPr>
         <p:spPr>
           <a:xfrm>
-            <a:off x="539100" y="1591475"/>
-            <a:ext cx="8065800" cy="2984700"/>
+            <a:off x="350635" y="1591475"/>
+            <a:ext cx="8580233" cy="2984700"/>
           </a:xfrm>
           <a:prstGeom prst="rect">
             <a:avLst/>
@@ -15813,7 +16160,11 @@
             </a:r>
             <a:r>
               <a:rPr lang="ru-RU" sz="2500" dirty="0" smtClean="0"/>
-              <a:t>Собрать данные о ранее размещенных процедурах</a:t>
+              <a:t>Собрать данные о ранее размещенных </a:t>
+            </a:r>
+            <a:r>
+              <a:rPr lang="ru-RU" sz="2500" dirty="0" smtClean="0"/>
+              <a:t>      	процедурах</a:t>
             </a:r>
             <a:endParaRPr sz="2500" dirty="0"/>
           </a:p>
@@ -15838,7 +16189,15 @@
             </a:r>
             <a:r>
               <a:rPr lang="ru-RU" sz="2500" dirty="0" smtClean="0"/>
-              <a:t>Агрегировать данные на основе факторов, которые предположительно оказывают влияние</a:t>
+              <a:t>Агрегировать данные на основе факторов, </a:t>
+            </a:r>
+            <a:r>
+              <a:rPr lang="ru-RU" sz="2500" dirty="0" smtClean="0"/>
+              <a:t>	   	которые </a:t>
+            </a:r>
+            <a:r>
+              <a:rPr lang="ru-RU" sz="2500" dirty="0" smtClean="0"/>
+              <a:t>предположительно оказывают влияние</a:t>
             </a:r>
             <a:endParaRPr sz="2500" dirty="0"/>
           </a:p>
@@ -15863,11 +16222,7 @@
             </a:r>
             <a:r>
               <a:rPr lang="ru-RU" sz="2500" dirty="0" smtClean="0"/>
-              <a:t>Создать </a:t>
-            </a:r>
-            <a:r>
-              <a:rPr lang="ru-RU" sz="2500" dirty="0" smtClean="0"/>
-              <a:t>модель</a:t>
+              <a:t>Создать модель</a:t>
             </a:r>
             <a:r>
               <a:rPr lang="en-US" sz="2500" dirty="0" smtClean="0"/>
@@ -16043,11 +16398,7 @@
             </a:pPr>
             <a:r>
               <a:rPr lang="ru-RU" dirty="0" smtClean="0"/>
-              <a:t>   </a:t>
-            </a:r>
-            <a:r>
-              <a:rPr lang="ru-RU" dirty="0" smtClean="0"/>
-              <a:t>погрешность</a:t>
+              <a:t>   погрешность</a:t>
             </a:r>
             <a:endParaRPr lang="en-US" dirty="0" smtClean="0"/>
           </a:p>
@@ -16116,11 +16467,7 @@
             </a:r>
             <a:r>
               <a:rPr lang="ru-RU" dirty="0" smtClean="0"/>
-              <a:t>п</a:t>
-            </a:r>
-            <a:r>
-              <a:rPr lang="ru-RU" dirty="0" smtClean="0"/>
-              <a:t>огрешность</a:t>
+              <a:t>погрешность</a:t>
             </a:r>
             <a:endParaRPr lang="en-US" dirty="0" smtClean="0"/>
           </a:p>
@@ -16211,7 +16558,7 @@
       </p:pic>
       <p:pic>
         <p:nvPicPr>
-          <p:cNvPr id="6" name="Рисунок 5"/>
+          <p:cNvPr id="7" name="Рисунок 6"/>
           <p:cNvPicPr>
             <a:picLocks noChangeAspect="1"/>
           </p:cNvPicPr>
@@ -16225,8 +16572,8 @@
         </p:blipFill>
         <p:spPr>
           <a:xfrm>
-            <a:off x="3790716" y="4134387"/>
-            <a:ext cx="5076825" cy="1152525"/>
+            <a:off x="3613800" y="4197376"/>
+            <a:ext cx="4991100" cy="1038225"/>
           </a:xfrm>
           <a:prstGeom prst="rect">
             <a:avLst/>
@@ -16440,11 +16787,7 @@
             </a:pPr>
             <a:r>
               <a:rPr lang="ru-RU" sz="2200" dirty="0" smtClean="0"/>
-              <a:t>Особенности </a:t>
-            </a:r>
-            <a:r>
-              <a:rPr lang="ru-RU" sz="2200" dirty="0" smtClean="0"/>
-              <a:t>данных:</a:t>
+              <a:t>Особенности данных:</a:t>
             </a:r>
           </a:p>
           <a:p>
